--- a/2025-10-29 Netherlands Kubernetes Integrated Development/Kubernetes Presentation.pptx
+++ b/2025-10-29 Netherlands Kubernetes Integrated Development/Kubernetes Presentation.pptx
@@ -27,8 +27,7 @@
     <p:sldId id="280" r:id="rId21"/>
     <p:sldId id="282" r:id="rId22"/>
     <p:sldId id="265" r:id="rId23"/>
-    <p:sldId id="283" r:id="rId24"/>
-    <p:sldId id="266" r:id="rId25"/>
+    <p:sldId id="266" r:id="rId24"/>
   </p:sldIdLst>
   <p:sldSz cx="12192000" cy="6858000"/>
   <p:notesSz cx="6858000" cy="9144000"/>
@@ -290,7 +289,7 @@
           <a:p>
             <a:fld id="{62164A38-496E-4635-AD4D-E4F60A7AA5BC}" type="datetimeFigureOut">
               <a:rPr lang="tr-TR" smtClean="0"/>
-              <a:t>28.10.2025</a:t>
+              <a:t>29.10.2025</a:t>
             </a:fld>
             <a:endParaRPr lang="tr-TR"/>
           </a:p>
@@ -488,7 +487,7 @@
           <a:p>
             <a:fld id="{62164A38-496E-4635-AD4D-E4F60A7AA5BC}" type="datetimeFigureOut">
               <a:rPr lang="tr-TR" smtClean="0"/>
-              <a:t>28.10.2025</a:t>
+              <a:t>29.10.2025</a:t>
             </a:fld>
             <a:endParaRPr lang="tr-TR"/>
           </a:p>
@@ -696,7 +695,7 @@
           <a:p>
             <a:fld id="{62164A38-496E-4635-AD4D-E4F60A7AA5BC}" type="datetimeFigureOut">
               <a:rPr lang="tr-TR" smtClean="0"/>
-              <a:t>28.10.2025</a:t>
+              <a:t>29.10.2025</a:t>
             </a:fld>
             <a:endParaRPr lang="tr-TR"/>
           </a:p>
@@ -894,7 +893,7 @@
           <a:p>
             <a:fld id="{62164A38-496E-4635-AD4D-E4F60A7AA5BC}" type="datetimeFigureOut">
               <a:rPr lang="tr-TR" smtClean="0"/>
-              <a:t>28.10.2025</a:t>
+              <a:t>29.10.2025</a:t>
             </a:fld>
             <a:endParaRPr lang="tr-TR"/>
           </a:p>
@@ -1169,7 +1168,7 @@
           <a:p>
             <a:fld id="{62164A38-496E-4635-AD4D-E4F60A7AA5BC}" type="datetimeFigureOut">
               <a:rPr lang="tr-TR" smtClean="0"/>
-              <a:t>28.10.2025</a:t>
+              <a:t>29.10.2025</a:t>
             </a:fld>
             <a:endParaRPr lang="tr-TR"/>
           </a:p>
@@ -1434,7 +1433,7 @@
           <a:p>
             <a:fld id="{62164A38-496E-4635-AD4D-E4F60A7AA5BC}" type="datetimeFigureOut">
               <a:rPr lang="tr-TR" smtClean="0"/>
-              <a:t>28.10.2025</a:t>
+              <a:t>29.10.2025</a:t>
             </a:fld>
             <a:endParaRPr lang="tr-TR"/>
           </a:p>
@@ -1846,7 +1845,7 @@
           <a:p>
             <a:fld id="{62164A38-496E-4635-AD4D-E4F60A7AA5BC}" type="datetimeFigureOut">
               <a:rPr lang="tr-TR" smtClean="0"/>
-              <a:t>28.10.2025</a:t>
+              <a:t>29.10.2025</a:t>
             </a:fld>
             <a:endParaRPr lang="tr-TR"/>
           </a:p>
@@ -1987,7 +1986,7 @@
           <a:p>
             <a:fld id="{62164A38-496E-4635-AD4D-E4F60A7AA5BC}" type="datetimeFigureOut">
               <a:rPr lang="tr-TR" smtClean="0"/>
-              <a:t>28.10.2025</a:t>
+              <a:t>29.10.2025</a:t>
             </a:fld>
             <a:endParaRPr lang="tr-TR"/>
           </a:p>
@@ -2100,7 +2099,7 @@
           <a:p>
             <a:fld id="{62164A38-496E-4635-AD4D-E4F60A7AA5BC}" type="datetimeFigureOut">
               <a:rPr lang="tr-TR" smtClean="0"/>
-              <a:t>28.10.2025</a:t>
+              <a:t>29.10.2025</a:t>
             </a:fld>
             <a:endParaRPr lang="tr-TR"/>
           </a:p>
@@ -2411,7 +2410,7 @@
           <a:p>
             <a:fld id="{62164A38-496E-4635-AD4D-E4F60A7AA5BC}" type="datetimeFigureOut">
               <a:rPr lang="tr-TR" smtClean="0"/>
-              <a:t>28.10.2025</a:t>
+              <a:t>29.10.2025</a:t>
             </a:fld>
             <a:endParaRPr lang="tr-TR"/>
           </a:p>
@@ -2699,7 +2698,7 @@
           <a:p>
             <a:fld id="{62164A38-496E-4635-AD4D-E4F60A7AA5BC}" type="datetimeFigureOut">
               <a:rPr lang="tr-TR" smtClean="0"/>
-              <a:t>28.10.2025</a:t>
+              <a:t>29.10.2025</a:t>
             </a:fld>
             <a:endParaRPr lang="tr-TR"/>
           </a:p>
@@ -2940,7 +2939,7 @@
           <a:p>
             <a:fld id="{62164A38-496E-4635-AD4D-E4F60A7AA5BC}" type="datetimeFigureOut">
               <a:rPr lang="tr-TR" smtClean="0"/>
-              <a:t>28.10.2025</a:t>
+              <a:t>29.10.2025</a:t>
             </a:fld>
             <a:endParaRPr lang="tr-TR"/>
           </a:p>
@@ -18098,72 +18097,6 @@
 <file path=ppt/slides/slide23.xml><?xml version="1.0" encoding="utf-8"?>
 <p:sld xmlns:a="http://schemas.openxmlformats.org/drawingml/2006/main" xmlns:r="http://schemas.openxmlformats.org/officeDocument/2006/relationships" xmlns:p="http://schemas.openxmlformats.org/presentationml/2006/main">
   <p:cSld>
-    <p:spTree>
-      <p:nvGrpSpPr>
-        <p:cNvPr id="1" name=""/>
-        <p:cNvGrpSpPr/>
-        <p:nvPr/>
-      </p:nvGrpSpPr>
-      <p:grpSpPr>
-        <a:xfrm>
-          <a:off x="0" y="0"/>
-          <a:ext cx="0" cy="0"/>
-          <a:chOff x="0" y="0"/>
-          <a:chExt cx="0" cy="0"/>
-        </a:xfrm>
-      </p:grpSpPr>
-      <p:pic>
-        <p:nvPicPr>
-          <p:cNvPr id="5" name="Picture 4" descr="A qr code on a black background&#10;&#10;AI-generated content may be incorrect.">
-            <a:extLst>
-              <a:ext uri="{FF2B5EF4-FFF2-40B4-BE49-F238E27FC236}">
-                <a16:creationId xmlns:a16="http://schemas.microsoft.com/office/drawing/2014/main" id="{B0317831-3489-DEAB-EB14-213D33EC2C6A}"/>
-              </a:ext>
-            </a:extLst>
-          </p:cNvPr>
-          <p:cNvPicPr>
-            <a:picLocks noChangeAspect="1"/>
-          </p:cNvPicPr>
-          <p:nvPr/>
-        </p:nvPicPr>
-        <p:blipFill>
-          <a:blip r:embed="rId2">
-            <a:extLst>
-              <a:ext uri="{28A0092B-C50C-407E-A947-70E740481C1C}">
-                <a14:useLocalDpi xmlns:a14="http://schemas.microsoft.com/office/drawing/2010/main" val="0"/>
-              </a:ext>
-            </a:extLst>
-          </a:blip>
-          <a:stretch>
-            <a:fillRect/>
-          </a:stretch>
-        </p:blipFill>
-        <p:spPr>
-          <a:xfrm>
-            <a:off x="3070513" y="403513"/>
-            <a:ext cx="6050973" cy="6050973"/>
-          </a:xfrm>
-          <a:prstGeom prst="rect">
-            <a:avLst/>
-          </a:prstGeom>
-        </p:spPr>
-      </p:pic>
-    </p:spTree>
-    <p:extLst>
-      <p:ext uri="{BB962C8B-B14F-4D97-AF65-F5344CB8AC3E}">
-        <p14:creationId xmlns:p14="http://schemas.microsoft.com/office/powerpoint/2010/main" val="1638488593"/>
-      </p:ext>
-    </p:extLst>
-  </p:cSld>
-  <p:clrMapOvr>
-    <a:masterClrMapping/>
-  </p:clrMapOvr>
-</p:sld>
-</file>
-
-<file path=ppt/slides/slide24.xml><?xml version="1.0" encoding="utf-8"?>
-<p:sld xmlns:a="http://schemas.openxmlformats.org/drawingml/2006/main" xmlns:r="http://schemas.openxmlformats.org/officeDocument/2006/relationships" xmlns:p="http://schemas.openxmlformats.org/presentationml/2006/main">
-  <p:cSld>
     <p:bg>
       <p:bgPr>
         <a:blipFill dpi="0" rotWithShape="1">
@@ -18334,9 +18267,9 @@
         <p:grpSpPr>
           <a:xfrm>
             <a:off x="423589" y="1315408"/>
-            <a:ext cx="5203670" cy="1303340"/>
+            <a:ext cx="5108324" cy="1303340"/>
             <a:chOff x="1110572" y="5192094"/>
-            <a:chExt cx="5203670" cy="1303340"/>
+            <a:chExt cx="5108324" cy="1303340"/>
           </a:xfrm>
         </p:grpSpPr>
         <p:pic>
@@ -18389,7 +18322,7 @@
           <p:spPr>
             <a:xfrm>
               <a:off x="2686326" y="5384359"/>
-              <a:ext cx="3627916" cy="523220"/>
+              <a:ext cx="3532570" cy="523220"/>
             </a:xfrm>
             <a:prstGeom prst="rect">
               <a:avLst/>
@@ -18411,7 +18344,29 @@
                   <a:ea typeface="Open Sans" pitchFamily="2" charset="0"/>
                   <a:cs typeface="Open Sans" pitchFamily="2" charset="0"/>
                 </a:rPr>
-                <a:t>Halil 	İbrahim Kalkan</a:t>
+                <a:t>Halil</a:t>
+              </a:r>
+              <a:r>
+                <a:rPr lang="en-US" sz="2800" dirty="0">
+                  <a:solidFill>
+                    <a:srgbClr val="1C2313"/>
+                  </a:solidFill>
+                  <a:latin typeface="Open Sans" pitchFamily="2" charset="0"/>
+                  <a:ea typeface="Open Sans" pitchFamily="2" charset="0"/>
+                  <a:cs typeface="Open Sans" pitchFamily="2" charset="0"/>
+                </a:rPr>
+                <a:t> </a:t>
+              </a:r>
+              <a:r>
+                <a:rPr lang="tr-TR" sz="2800" dirty="0">
+                  <a:solidFill>
+                    <a:srgbClr val="1C2313"/>
+                  </a:solidFill>
+                  <a:latin typeface="Open Sans" pitchFamily="2" charset="0"/>
+                  <a:ea typeface="Open Sans" pitchFamily="2" charset="0"/>
+                  <a:cs typeface="Open Sans" pitchFamily="2" charset="0"/>
+                </a:rPr>
+                <a:t>İbrahim Kalkan</a:t>
               </a:r>
             </a:p>
           </p:txBody>
@@ -18529,7 +18484,7 @@
         <p:spPr>
           <a:xfrm>
             <a:off x="323850" y="3103470"/>
-            <a:ext cx="11572141" cy="2677656"/>
+            <a:ext cx="6980959" cy="3108543"/>
           </a:xfrm>
           <a:prstGeom prst="rect">
             <a:avLst/>
@@ -18749,13 +18704,22 @@
           </a:p>
           <a:p>
             <a:r>
+              <a:rPr lang="en-US" sz="2800" b="1" dirty="0">
+                <a:solidFill>
+                  <a:srgbClr val="292D33"/>
+                </a:solidFill>
+                <a:latin typeface="HelveticaNeueLT Std" panose="020B0604020202020204" pitchFamily="34" charset="0"/>
+              </a:rPr>
+              <a:t>Download This </a:t>
+            </a:r>
+            <a:r>
               <a:rPr lang="tr-TR" sz="2800" b="1" dirty="0">
                 <a:solidFill>
                   <a:srgbClr val="292D33"/>
                 </a:solidFill>
                 <a:latin typeface="HelveticaNeueLT Std" panose="020B0604020202020204" pitchFamily="34" charset="0"/>
               </a:rPr>
-              <a:t>This Presentation</a:t>
+              <a:t>Presentation</a:t>
             </a:r>
             <a:r>
               <a:rPr lang="tr-TR" sz="2800" dirty="0"/>
@@ -18791,6 +18755,42 @@
           </a:p>
         </p:txBody>
       </p:sp>
+      <p:pic>
+        <p:nvPicPr>
+          <p:cNvPr id="2" name="Picture 1" descr="A qr code on a black background&#10;&#10;AI-generated content may be incorrect.">
+            <a:extLst>
+              <a:ext uri="{FF2B5EF4-FFF2-40B4-BE49-F238E27FC236}">
+                <a16:creationId xmlns:a16="http://schemas.microsoft.com/office/drawing/2014/main" id="{3C28990F-5856-A70B-C740-4B2EAE0F19D6}"/>
+              </a:ext>
+            </a:extLst>
+          </p:cNvPr>
+          <p:cNvPicPr>
+            <a:picLocks noChangeAspect="1"/>
+          </p:cNvPicPr>
+          <p:nvPr/>
+        </p:nvPicPr>
+        <p:blipFill>
+          <a:blip r:embed="rId8">
+            <a:extLst>
+              <a:ext uri="{28A0092B-C50C-407E-A947-70E740481C1C}">
+                <a14:useLocalDpi xmlns:a14="http://schemas.microsoft.com/office/drawing/2010/main" val="0"/>
+              </a:ext>
+            </a:extLst>
+          </a:blip>
+          <a:stretch>
+            <a:fillRect/>
+          </a:stretch>
+        </p:blipFill>
+        <p:spPr>
+          <a:xfrm>
+            <a:off x="6468341" y="0"/>
+            <a:ext cx="6050973" cy="6050973"/>
+          </a:xfrm>
+          <a:prstGeom prst="rect">
+            <a:avLst/>
+          </a:prstGeom>
+        </p:spPr>
+      </p:pic>
     </p:spTree>
     <p:extLst>
       <p:ext uri="{BB962C8B-B14F-4D97-AF65-F5344CB8AC3E}">

--- a/2025-10-29 Netherlands Kubernetes Integrated Development/Kubernetes Presentation.pptx
+++ b/2025-10-29 Netherlands Kubernetes Integrated Development/Kubernetes Presentation.pptx
@@ -289,7 +289,7 @@
           <a:p>
             <a:fld id="{62164A38-496E-4635-AD4D-E4F60A7AA5BC}" type="datetimeFigureOut">
               <a:rPr lang="tr-TR" smtClean="0"/>
-              <a:t>29.10.2025</a:t>
+              <a:t>31.10.2025</a:t>
             </a:fld>
             <a:endParaRPr lang="tr-TR"/>
           </a:p>
@@ -487,7 +487,7 @@
           <a:p>
             <a:fld id="{62164A38-496E-4635-AD4D-E4F60A7AA5BC}" type="datetimeFigureOut">
               <a:rPr lang="tr-TR" smtClean="0"/>
-              <a:t>29.10.2025</a:t>
+              <a:t>31.10.2025</a:t>
             </a:fld>
             <a:endParaRPr lang="tr-TR"/>
           </a:p>
@@ -695,7 +695,7 @@
           <a:p>
             <a:fld id="{62164A38-496E-4635-AD4D-E4F60A7AA5BC}" type="datetimeFigureOut">
               <a:rPr lang="tr-TR" smtClean="0"/>
-              <a:t>29.10.2025</a:t>
+              <a:t>31.10.2025</a:t>
             </a:fld>
             <a:endParaRPr lang="tr-TR"/>
           </a:p>
@@ -893,7 +893,7 @@
           <a:p>
             <a:fld id="{62164A38-496E-4635-AD4D-E4F60A7AA5BC}" type="datetimeFigureOut">
               <a:rPr lang="tr-TR" smtClean="0"/>
-              <a:t>29.10.2025</a:t>
+              <a:t>31.10.2025</a:t>
             </a:fld>
             <a:endParaRPr lang="tr-TR"/>
           </a:p>
@@ -1168,7 +1168,7 @@
           <a:p>
             <a:fld id="{62164A38-496E-4635-AD4D-E4F60A7AA5BC}" type="datetimeFigureOut">
               <a:rPr lang="tr-TR" smtClean="0"/>
-              <a:t>29.10.2025</a:t>
+              <a:t>31.10.2025</a:t>
             </a:fld>
             <a:endParaRPr lang="tr-TR"/>
           </a:p>
@@ -1433,7 +1433,7 @@
           <a:p>
             <a:fld id="{62164A38-496E-4635-AD4D-E4F60A7AA5BC}" type="datetimeFigureOut">
               <a:rPr lang="tr-TR" smtClean="0"/>
-              <a:t>29.10.2025</a:t>
+              <a:t>31.10.2025</a:t>
             </a:fld>
             <a:endParaRPr lang="tr-TR"/>
           </a:p>
@@ -1845,7 +1845,7 @@
           <a:p>
             <a:fld id="{62164A38-496E-4635-AD4D-E4F60A7AA5BC}" type="datetimeFigureOut">
               <a:rPr lang="tr-TR" smtClean="0"/>
-              <a:t>29.10.2025</a:t>
+              <a:t>31.10.2025</a:t>
             </a:fld>
             <a:endParaRPr lang="tr-TR"/>
           </a:p>
@@ -1986,7 +1986,7 @@
           <a:p>
             <a:fld id="{62164A38-496E-4635-AD4D-E4F60A7AA5BC}" type="datetimeFigureOut">
               <a:rPr lang="tr-TR" smtClean="0"/>
-              <a:t>29.10.2025</a:t>
+              <a:t>31.10.2025</a:t>
             </a:fld>
             <a:endParaRPr lang="tr-TR"/>
           </a:p>
@@ -2099,7 +2099,7 @@
           <a:p>
             <a:fld id="{62164A38-496E-4635-AD4D-E4F60A7AA5BC}" type="datetimeFigureOut">
               <a:rPr lang="tr-TR" smtClean="0"/>
-              <a:t>29.10.2025</a:t>
+              <a:t>31.10.2025</a:t>
             </a:fld>
             <a:endParaRPr lang="tr-TR"/>
           </a:p>
@@ -2410,7 +2410,7 @@
           <a:p>
             <a:fld id="{62164A38-496E-4635-AD4D-E4F60A7AA5BC}" type="datetimeFigureOut">
               <a:rPr lang="tr-TR" smtClean="0"/>
-              <a:t>29.10.2025</a:t>
+              <a:t>31.10.2025</a:t>
             </a:fld>
             <a:endParaRPr lang="tr-TR"/>
           </a:p>
@@ -2698,7 +2698,7 @@
           <a:p>
             <a:fld id="{62164A38-496E-4635-AD4D-E4F60A7AA5BC}" type="datetimeFigureOut">
               <a:rPr lang="tr-TR" smtClean="0"/>
-              <a:t>29.10.2025</a:t>
+              <a:t>31.10.2025</a:t>
             </a:fld>
             <a:endParaRPr lang="tr-TR"/>
           </a:p>
@@ -2939,7 +2939,7 @@
           <a:p>
             <a:fld id="{62164A38-496E-4635-AD4D-E4F60A7AA5BC}" type="datetimeFigureOut">
               <a:rPr lang="tr-TR" smtClean="0"/>
-              <a:t>29.10.2025</a:t>
+              <a:t>31.10.2025</a:t>
             </a:fld>
             <a:endParaRPr lang="tr-TR"/>
           </a:p>
@@ -18755,42 +18755,6 @@
           </a:p>
         </p:txBody>
       </p:sp>
-      <p:pic>
-        <p:nvPicPr>
-          <p:cNvPr id="2" name="Picture 1" descr="A qr code on a black background&#10;&#10;AI-generated content may be incorrect.">
-            <a:extLst>
-              <a:ext uri="{FF2B5EF4-FFF2-40B4-BE49-F238E27FC236}">
-                <a16:creationId xmlns:a16="http://schemas.microsoft.com/office/drawing/2014/main" id="{3C28990F-5856-A70B-C740-4B2EAE0F19D6}"/>
-              </a:ext>
-            </a:extLst>
-          </p:cNvPr>
-          <p:cNvPicPr>
-            <a:picLocks noChangeAspect="1"/>
-          </p:cNvPicPr>
-          <p:nvPr/>
-        </p:nvPicPr>
-        <p:blipFill>
-          <a:blip r:embed="rId8">
-            <a:extLst>
-              <a:ext uri="{28A0092B-C50C-407E-A947-70E740481C1C}">
-                <a14:useLocalDpi xmlns:a14="http://schemas.microsoft.com/office/drawing/2010/main" val="0"/>
-              </a:ext>
-            </a:extLst>
-          </a:blip>
-          <a:stretch>
-            <a:fillRect/>
-          </a:stretch>
-        </p:blipFill>
-        <p:spPr>
-          <a:xfrm>
-            <a:off x="6468341" y="0"/>
-            <a:ext cx="6050973" cy="6050973"/>
-          </a:xfrm>
-          <a:prstGeom prst="rect">
-            <a:avLst/>
-          </a:prstGeom>
-        </p:spPr>
-      </p:pic>
     </p:spTree>
     <p:extLst>
       <p:ext uri="{BB962C8B-B14F-4D97-AF65-F5344CB8AC3E}">
